--- a/Data Analysis on Medical Insurance Costs.pptx
+++ b/Data Analysis on Medical Insurance Costs.pptx
@@ -13,7 +13,7 @@
     <p:sldId id="259" r:id="rId7"/>
     <p:sldId id="260" r:id="rId8"/>
     <p:sldId id="266" r:id="rId9"/>
-    <p:sldId id="261" r:id="rId10"/>
+    <p:sldId id="268" r:id="rId10"/>
     <p:sldId id="267" r:id="rId11"/>
     <p:sldId id="264" r:id="rId12"/>
     <p:sldId id="265" r:id="rId13"/>
@@ -6021,47 +6021,12 @@
           </a:p>
         </p:txBody>
       </p:sp>
-      <p:sp>
-        <p:nvSpPr>
-          <p:cNvPr id="6" name="TextBox 5">
+      <p:pic>
+        <p:nvPicPr>
+          <p:cNvPr id="3" name="Picture 2">
             <a:extLst>
               <a:ext uri="{FF2B5EF4-FFF2-40B4-BE49-F238E27FC236}">
-                <a16:creationId xmlns:a16="http://schemas.microsoft.com/office/drawing/2014/main" id="{45A69BBC-AB50-1E94-765B-729B4FDB392D}"/>
-              </a:ext>
-            </a:extLst>
-          </p:cNvPr>
-          <p:cNvSpPr txBox="1"/>
-          <p:nvPr/>
-        </p:nvSpPr>
-        <p:spPr>
-          <a:xfrm>
-            <a:off x="914400" y="1554480"/>
-            <a:ext cx="2054793" cy="369332"/>
-          </a:xfrm>
-          <a:prstGeom prst="rect">
-            <a:avLst/>
-          </a:prstGeom>
-          <a:noFill/>
-        </p:spPr>
-        <p:txBody>
-          <a:bodyPr wrap="none" rtlCol="0">
-            <a:spAutoFit/>
-          </a:bodyPr>
-          <a:lstStyle/>
-          <a:p>
-            <a:r>
-              <a:rPr lang="en-US" dirty="0"/>
-              <a:t>Smokers’ analysis</a:t>
-            </a:r>
-          </a:p>
-        </p:txBody>
-      </p:sp>
-      <p:pic>
-        <p:nvPicPr>
-          <p:cNvPr id="4" name="Picture 3">
-            <a:extLst>
-              <a:ext uri="{FF2B5EF4-FFF2-40B4-BE49-F238E27FC236}">
-                <a16:creationId xmlns:a16="http://schemas.microsoft.com/office/drawing/2014/main" id="{740F6977-CDD9-65CE-77DF-62D24440251F}"/>
+                <a16:creationId xmlns:a16="http://schemas.microsoft.com/office/drawing/2014/main" id="{3B70DA78-5087-78A1-09C8-F36940FC6CC8}"/>
               </a:ext>
             </a:extLst>
           </p:cNvPr>
@@ -6078,14 +6043,49 @@
         </p:blipFill>
         <p:spPr>
           <a:xfrm>
-            <a:off x="2776537" y="2084387"/>
-            <a:ext cx="3895725" cy="3895725"/>
+            <a:off x="3358158" y="1992147"/>
+            <a:ext cx="5438775" cy="4857750"/>
           </a:xfrm>
           <a:prstGeom prst="rect">
             <a:avLst/>
           </a:prstGeom>
         </p:spPr>
       </p:pic>
+      <p:sp>
+        <p:nvSpPr>
+          <p:cNvPr id="5" name="TextBox 4">
+            <a:extLst>
+              <a:ext uri="{FF2B5EF4-FFF2-40B4-BE49-F238E27FC236}">
+                <a16:creationId xmlns:a16="http://schemas.microsoft.com/office/drawing/2014/main" id="{A925E0D8-B237-F21F-E1A8-D7FBA96DDEDD}"/>
+              </a:ext>
+            </a:extLst>
+          </p:cNvPr>
+          <p:cNvSpPr txBox="1"/>
+          <p:nvPr/>
+        </p:nvSpPr>
+        <p:spPr>
+          <a:xfrm>
+            <a:off x="4713772" y="1566207"/>
+            <a:ext cx="3119187" cy="369332"/>
+          </a:xfrm>
+          <a:prstGeom prst="rect">
+            <a:avLst/>
+          </a:prstGeom>
+          <a:noFill/>
+        </p:spPr>
+        <p:txBody>
+          <a:bodyPr wrap="none" rtlCol="0">
+            <a:spAutoFit/>
+          </a:bodyPr>
+          <a:lstStyle/>
+          <a:p>
+            <a:r>
+              <a:rPr lang="en-US" dirty="0"/>
+              <a:t>Smokers’ by Gender analysis</a:t>
+            </a:r>
+          </a:p>
+        </p:txBody>
+      </p:sp>
     </p:spTree>
     <p:extLst>
       <p:ext uri="{BB962C8B-B14F-4D97-AF65-F5344CB8AC3E}">
@@ -7494,12 +7494,47 @@
           </a:p>
         </p:txBody>
       </p:sp>
+      <p:sp>
+        <p:nvSpPr>
+          <p:cNvPr id="3" name="TextBox 2">
+            <a:extLst>
+              <a:ext uri="{FF2B5EF4-FFF2-40B4-BE49-F238E27FC236}">
+                <a16:creationId xmlns:a16="http://schemas.microsoft.com/office/drawing/2014/main" id="{41B19200-F913-0086-F4ED-0D2A85E66110}"/>
+              </a:ext>
+            </a:extLst>
+          </p:cNvPr>
+          <p:cNvSpPr txBox="1"/>
+          <p:nvPr/>
+        </p:nvSpPr>
+        <p:spPr>
+          <a:xfrm>
+            <a:off x="990600" y="1554480"/>
+            <a:ext cx="2054793" cy="369332"/>
+          </a:xfrm>
+          <a:prstGeom prst="rect">
+            <a:avLst/>
+          </a:prstGeom>
+          <a:noFill/>
+        </p:spPr>
+        <p:txBody>
+          <a:bodyPr wrap="none" rtlCol="0">
+            <a:spAutoFit/>
+          </a:bodyPr>
+          <a:lstStyle/>
+          <a:p>
+            <a:r>
+              <a:rPr lang="en-US" dirty="0"/>
+              <a:t>Smokers’ analysis</a:t>
+            </a:r>
+          </a:p>
+        </p:txBody>
+      </p:sp>
       <p:pic>
         <p:nvPicPr>
-          <p:cNvPr id="5" name="Picture 4">
+          <p:cNvPr id="4" name="Picture 3">
             <a:extLst>
               <a:ext uri="{FF2B5EF4-FFF2-40B4-BE49-F238E27FC236}">
-                <a16:creationId xmlns:a16="http://schemas.microsoft.com/office/drawing/2014/main" id="{9912263F-A5BE-D4E3-6EE4-B1723CD7B214}"/>
+                <a16:creationId xmlns:a16="http://schemas.microsoft.com/office/drawing/2014/main" id="{53BD93DD-F17E-3094-5709-58773D5E4869}"/>
               </a:ext>
             </a:extLst>
           </p:cNvPr>
@@ -7516,55 +7551,20 @@
         </p:blipFill>
         <p:spPr>
           <a:xfrm>
-            <a:off x="492662" y="2095500"/>
-            <a:ext cx="5372100" cy="4152900"/>
+            <a:off x="1189037" y="2084387"/>
+            <a:ext cx="3895725" cy="3895725"/>
           </a:xfrm>
           <a:prstGeom prst="rect">
             <a:avLst/>
           </a:prstGeom>
         </p:spPr>
       </p:pic>
-      <p:sp>
-        <p:nvSpPr>
-          <p:cNvPr id="6" name="TextBox 5">
+      <p:pic>
+        <p:nvPicPr>
+          <p:cNvPr id="7" name="Picture 6">
             <a:extLst>
               <a:ext uri="{FF2B5EF4-FFF2-40B4-BE49-F238E27FC236}">
-                <a16:creationId xmlns:a16="http://schemas.microsoft.com/office/drawing/2014/main" id="{45A69BBC-AB50-1E94-765B-729B4FDB392D}"/>
-              </a:ext>
-            </a:extLst>
-          </p:cNvPr>
-          <p:cNvSpPr txBox="1"/>
-          <p:nvPr/>
-        </p:nvSpPr>
-        <p:spPr>
-          <a:xfrm>
-            <a:off x="914400" y="1554480"/>
-            <a:ext cx="2731325" cy="369332"/>
-          </a:xfrm>
-          <a:prstGeom prst="rect">
-            <a:avLst/>
-          </a:prstGeom>
-          <a:noFill/>
-        </p:spPr>
-        <p:txBody>
-          <a:bodyPr wrap="none" rtlCol="0">
-            <a:spAutoFit/>
-          </a:bodyPr>
-          <a:lstStyle/>
-          <a:p>
-            <a:r>
-              <a:rPr lang="en-US" dirty="0"/>
-              <a:t>Smokers’ by Age analysis</a:t>
-            </a:r>
-          </a:p>
-        </p:txBody>
-      </p:sp>
-      <p:pic>
-        <p:nvPicPr>
-          <p:cNvPr id="8" name="Picture 7">
-            <a:extLst>
-              <a:ext uri="{FF2B5EF4-FFF2-40B4-BE49-F238E27FC236}">
-                <a16:creationId xmlns:a16="http://schemas.microsoft.com/office/drawing/2014/main" id="{FC605E65-7AE8-9CB6-9231-6ABB39A67ECD}"/>
+                <a16:creationId xmlns:a16="http://schemas.microsoft.com/office/drawing/2014/main" id="{857950E5-FC7F-2F2B-7C62-4AF1CB12146D}"/>
               </a:ext>
             </a:extLst>
           </p:cNvPr>
@@ -7581,8 +7581,8 @@
         </p:blipFill>
         <p:spPr>
           <a:xfrm>
-            <a:off x="6401165" y="1992147"/>
-            <a:ext cx="5438775" cy="4857750"/>
+            <a:off x="6112412" y="2095500"/>
+            <a:ext cx="5372100" cy="4152900"/>
           </a:xfrm>
           <a:prstGeom prst="rect">
             <a:avLst/>
@@ -7591,10 +7591,10 @@
       </p:pic>
       <p:sp>
         <p:nvSpPr>
-          <p:cNvPr id="9" name="TextBox 8">
+          <p:cNvPr id="10" name="TextBox 9">
             <a:extLst>
               <a:ext uri="{FF2B5EF4-FFF2-40B4-BE49-F238E27FC236}">
-                <a16:creationId xmlns:a16="http://schemas.microsoft.com/office/drawing/2014/main" id="{5001E943-C4A7-FF21-56FB-5154EC1F6138}"/>
+                <a16:creationId xmlns:a16="http://schemas.microsoft.com/office/drawing/2014/main" id="{A5589D8E-D753-7349-5869-85A2C0301036}"/>
               </a:ext>
             </a:extLst>
           </p:cNvPr>
@@ -7603,8 +7603,8 @@
         </p:nvSpPr>
         <p:spPr>
           <a:xfrm>
-            <a:off x="7756779" y="1566207"/>
-            <a:ext cx="3119187" cy="369332"/>
+            <a:off x="6534150" y="1554480"/>
+            <a:ext cx="2731325" cy="369332"/>
           </a:xfrm>
           <a:prstGeom prst="rect">
             <a:avLst/>
@@ -7619,7 +7619,7 @@
           <a:p>
             <a:r>
               <a:rPr lang="en-US" dirty="0"/>
-              <a:t>Smokers’ by Gender analysis</a:t>
+              <a:t>Smokers’ by Age analysis</a:t>
             </a:r>
           </a:p>
         </p:txBody>
@@ -7627,7 +7627,7 @@
     </p:spTree>
     <p:extLst>
       <p:ext uri="{BB962C8B-B14F-4D97-AF65-F5344CB8AC3E}">
-        <p14:creationId xmlns:p14="http://schemas.microsoft.com/office/powerpoint/2010/main" val="1510949933"/>
+        <p14:creationId xmlns:p14="http://schemas.microsoft.com/office/powerpoint/2010/main" val="2350701594"/>
       </p:ext>
     </p:extLst>
   </p:cSld>
